--- a/slides/NSITutorialTIP2013_G-lambda.pptx
+++ b/slides/NSITutorialTIP2013_G-lambda.pptx
@@ -1921,7 +1921,7 @@
             <a:fld id="{274B1840-CD30-A54D-9EA5-B4B5AA528BED}" type="datetimeFigureOut">
               <a:rPr lang="en-US" smtClean="0"/>
               <a:pPr/>
-              <a:t>1/14/2013</a:t>
+              <a:t>13/01/2013</a:t>
             </a:fld>
             <a:endParaRPr lang="en-US"/>
           </a:p>
@@ -1964,7 +1964,7 @@
             <a:fld id="{802FED6A-284F-CB42-8CD3-82B13555AC7C}" type="slidenum">
               <a:rPr lang="en-US" smtClean="0"/>
               <a:pPr/>
-              <a:t>&lt;#&gt;</a:t>
+              <a:t>‹#›</a:t>
             </a:fld>
             <a:endParaRPr lang="en-US"/>
           </a:p>
@@ -1978,7 +1978,7 @@
   <p:timing>
     <p:tnLst>
       <p:par>
-        <p:cTn id="1" dur="indefinite" restart="never" nodeType="tmRoot"/>
+        <p:cTn xmlns:p14="http://schemas.microsoft.com/office/powerpoint/2010/main" id="1" dur="indefinite" restart="never" nodeType="tmRoot"/>
       </p:par>
     </p:tnLst>
   </p:timing>
@@ -2111,7 +2111,7 @@
             <a:fld id="{274B1840-CD30-A54D-9EA5-B4B5AA528BED}" type="datetimeFigureOut">
               <a:rPr lang="en-US" smtClean="0"/>
               <a:pPr/>
-              <a:t>1/14/2013</a:t>
+              <a:t>13/01/2013</a:t>
             </a:fld>
             <a:endParaRPr lang="en-US"/>
           </a:p>
@@ -2154,7 +2154,7 @@
             <a:fld id="{802FED6A-284F-CB42-8CD3-82B13555AC7C}" type="slidenum">
               <a:rPr lang="en-US" smtClean="0"/>
               <a:pPr/>
-              <a:t>&lt;#&gt;</a:t>
+              <a:t>‹#›</a:t>
             </a:fld>
             <a:endParaRPr lang="en-US"/>
           </a:p>
@@ -2168,7 +2168,7 @@
   <p:timing>
     <p:tnLst>
       <p:par>
-        <p:cTn id="1" dur="indefinite" restart="never" nodeType="tmRoot"/>
+        <p:cTn xmlns:p14="http://schemas.microsoft.com/office/powerpoint/2010/main" id="1" dur="indefinite" restart="never" nodeType="tmRoot"/>
       </p:par>
     </p:tnLst>
   </p:timing>
@@ -2271,7 +2271,7 @@
             <a:fld id="{274B1840-CD30-A54D-9EA5-B4B5AA528BED}" type="datetimeFigureOut">
               <a:rPr lang="en-US" smtClean="0"/>
               <a:pPr/>
-              <a:t>1/14/2013</a:t>
+              <a:t>13/01/2013</a:t>
             </a:fld>
             <a:endParaRPr lang="en-US"/>
           </a:p>
@@ -2314,7 +2314,7 @@
             <a:fld id="{802FED6A-284F-CB42-8CD3-82B13555AC7C}" type="slidenum">
               <a:rPr lang="en-US" smtClean="0"/>
               <a:pPr/>
-              <a:t>&lt;#&gt;</a:t>
+              <a:t>‹#›</a:t>
             </a:fld>
             <a:endParaRPr lang="en-US"/>
           </a:p>
@@ -4012,7 +4012,7 @@
   <p:timing>
     <p:tnLst>
       <p:par>
-        <p:cTn id="1" dur="indefinite" restart="never" nodeType="tmRoot"/>
+        <p:cTn xmlns:p14="http://schemas.microsoft.com/office/powerpoint/2010/main" id="1" dur="indefinite" restart="never" nodeType="tmRoot"/>
       </p:par>
     </p:tnLst>
   </p:timing>
@@ -4106,7 +4106,7 @@
             <a:fld id="{274B1840-CD30-A54D-9EA5-B4B5AA528BED}" type="datetimeFigureOut">
               <a:rPr lang="en-US" smtClean="0"/>
               <a:pPr/>
-              <a:t>1/14/2013</a:t>
+              <a:t>13/01/2013</a:t>
             </a:fld>
             <a:endParaRPr lang="en-US"/>
           </a:p>
@@ -4149,7 +4149,7 @@
             <a:fld id="{802FED6A-284F-CB42-8CD3-82B13555AC7C}" type="slidenum">
               <a:rPr lang="en-US" smtClean="0"/>
               <a:pPr/>
-              <a:t>&lt;#&gt;</a:t>
+              <a:t>‹#›</a:t>
             </a:fld>
             <a:endParaRPr lang="en-US"/>
           </a:p>
@@ -4186,7 +4186,7 @@
   <p:timing>
     <p:tnLst>
       <p:par>
-        <p:cTn id="1" dur="indefinite" restart="never" nodeType="tmRoot"/>
+        <p:cTn xmlns:p14="http://schemas.microsoft.com/office/powerpoint/2010/main" id="1" dur="indefinite" restart="never" nodeType="tmRoot"/>
       </p:par>
     </p:tnLst>
   </p:timing>
@@ -5985,7 +5985,7 @@
             <a:fld id="{274B1840-CD30-A54D-9EA5-B4B5AA528BED}" type="datetimeFigureOut">
               <a:rPr lang="en-US" smtClean="0"/>
               <a:pPr/>
-              <a:t>1/14/2013</a:t>
+              <a:t>13/01/2013</a:t>
             </a:fld>
             <a:endParaRPr lang="en-US"/>
           </a:p>
@@ -6028,7 +6028,7 @@
             <a:fld id="{802FED6A-284F-CB42-8CD3-82B13555AC7C}" type="slidenum">
               <a:rPr lang="en-US" smtClean="0"/>
               <a:pPr/>
-              <a:t>&lt;#&gt;</a:t>
+              <a:t>‹#›</a:t>
             </a:fld>
             <a:endParaRPr lang="en-US"/>
           </a:p>
@@ -6042,7 +6042,7 @@
   <p:timing>
     <p:tnLst>
       <p:par>
-        <p:cTn id="1" dur="indefinite" restart="never" nodeType="tmRoot"/>
+        <p:cTn xmlns:p14="http://schemas.microsoft.com/office/powerpoint/2010/main" id="1" dur="indefinite" restart="never" nodeType="tmRoot"/>
       </p:par>
     </p:tnLst>
   </p:timing>
@@ -6107,7 +6107,7 @@
             <a:fld id="{274B1840-CD30-A54D-9EA5-B4B5AA528BED}" type="datetimeFigureOut">
               <a:rPr lang="en-US" smtClean="0"/>
               <a:pPr/>
-              <a:t>1/14/2013</a:t>
+              <a:t>13/01/2013</a:t>
             </a:fld>
             <a:endParaRPr lang="en-US"/>
           </a:p>
@@ -6150,7 +6150,7 @@
             <a:fld id="{802FED6A-284F-CB42-8CD3-82B13555AC7C}" type="slidenum">
               <a:rPr lang="en-US" smtClean="0"/>
               <a:pPr/>
-              <a:t>&lt;#&gt;</a:t>
+              <a:t>‹#›</a:t>
             </a:fld>
             <a:endParaRPr lang="en-US"/>
           </a:p>
@@ -6282,7 +6282,7 @@
           <a:blip r:embed="rId2">
             <a:extLst>
               <a:ext uri="{28A0092B-C50C-407E-A947-70E740481C1C}">
-                <a14:useLocalDpi xmlns:a14="http://schemas.microsoft.com/office/drawing/2010/main" xmlns="" val="0"/>
+                <a14:useLocalDpi xmlns:a14="http://schemas.microsoft.com/office/drawing/2010/main" val="0"/>
               </a:ext>
             </a:extLst>
           </a:blip>
@@ -6308,7 +6308,7 @@
   <p:timing>
     <p:tnLst>
       <p:par>
-        <p:cTn id="1" dur="indefinite" restart="never" nodeType="tmRoot"/>
+        <p:cTn xmlns:p14="http://schemas.microsoft.com/office/powerpoint/2010/main" id="1" dur="indefinite" restart="never" nodeType="tmRoot"/>
       </p:par>
     </p:tnLst>
   </p:timing>
@@ -6687,7 +6687,7 @@
             <a:fld id="{274B1840-CD30-A54D-9EA5-B4B5AA528BED}" type="datetimeFigureOut">
               <a:rPr lang="en-US" smtClean="0"/>
               <a:pPr/>
-              <a:t>1/14/2013</a:t>
+              <a:t>13/01/2013</a:t>
             </a:fld>
             <a:endParaRPr lang="en-US"/>
           </a:p>
@@ -6730,7 +6730,7 @@
             <a:fld id="{802FED6A-284F-CB42-8CD3-82B13555AC7C}" type="slidenum">
               <a:rPr lang="en-US" smtClean="0"/>
               <a:pPr/>
-              <a:t>&lt;#&gt;</a:t>
+              <a:t>‹#›</a:t>
             </a:fld>
             <a:endParaRPr lang="en-US"/>
           </a:p>
@@ -6744,7 +6744,7 @@
   <p:timing>
     <p:tnLst>
       <p:par>
-        <p:cTn id="1" dur="indefinite" restart="never" nodeType="tmRoot"/>
+        <p:cTn xmlns:p14="http://schemas.microsoft.com/office/powerpoint/2010/main" id="1" dur="indefinite" restart="never" nodeType="tmRoot"/>
       </p:par>
     </p:tnLst>
   </p:timing>
@@ -6809,7 +6809,7 @@
             <a:fld id="{274B1840-CD30-A54D-9EA5-B4B5AA528BED}" type="datetimeFigureOut">
               <a:rPr lang="en-US" smtClean="0"/>
               <a:pPr/>
-              <a:t>1/14/2013</a:t>
+              <a:t>13/01/2013</a:t>
             </a:fld>
             <a:endParaRPr lang="en-US"/>
           </a:p>
@@ -6852,7 +6852,7 @@
             <a:fld id="{802FED6A-284F-CB42-8CD3-82B13555AC7C}" type="slidenum">
               <a:rPr lang="en-US" smtClean="0"/>
               <a:pPr/>
-              <a:t>&lt;#&gt;</a:t>
+              <a:t>‹#›</a:t>
             </a:fld>
             <a:endParaRPr lang="en-US"/>
           </a:p>
@@ -6866,7 +6866,7 @@
   <p:timing>
     <p:tnLst>
       <p:par>
-        <p:cTn id="1" dur="indefinite" restart="never" nodeType="tmRoot"/>
+        <p:cTn xmlns:p14="http://schemas.microsoft.com/office/powerpoint/2010/main" id="1" dur="indefinite" restart="never" nodeType="tmRoot"/>
       </p:par>
     </p:tnLst>
   </p:timing>
@@ -8529,7 +8529,7 @@
             <a:fld id="{274B1840-CD30-A54D-9EA5-B4B5AA528BED}" type="datetimeFigureOut">
               <a:rPr lang="en-US" smtClean="0"/>
               <a:pPr/>
-              <a:t>1/14/2013</a:t>
+              <a:t>13/01/2013</a:t>
             </a:fld>
             <a:endParaRPr lang="en-US"/>
           </a:p>
@@ -8572,7 +8572,7 @@
             <a:fld id="{802FED6A-284F-CB42-8CD3-82B13555AC7C}" type="slidenum">
               <a:rPr lang="en-US" smtClean="0"/>
               <a:pPr/>
-              <a:t>&lt;#&gt;</a:t>
+              <a:t>‹#›</a:t>
             </a:fld>
             <a:endParaRPr lang="en-US"/>
           </a:p>
@@ -8590,7 +8590,7 @@
           <a:blip r:embed="rId2">
             <a:extLst>
               <a:ext uri="{28A0092B-C50C-407E-A947-70E740481C1C}">
-                <a14:useLocalDpi xmlns:a14="http://schemas.microsoft.com/office/drawing/2010/main" xmlns="" val="0"/>
+                <a14:useLocalDpi xmlns:a14="http://schemas.microsoft.com/office/drawing/2010/main" val="0"/>
               </a:ext>
             </a:extLst>
           </a:blip>
@@ -8616,7 +8616,7 @@
   <p:timing>
     <p:tnLst>
       <p:par>
-        <p:cTn id="1" dur="indefinite" restart="never" nodeType="tmRoot"/>
+        <p:cTn xmlns:p14="http://schemas.microsoft.com/office/powerpoint/2010/main" id="1" dur="indefinite" restart="never" nodeType="tmRoot"/>
       </p:par>
     </p:tnLst>
   </p:timing>
@@ -8719,7 +8719,7 @@
             <a:fld id="{274B1840-CD30-A54D-9EA5-B4B5AA528BED}" type="datetimeFigureOut">
               <a:rPr lang="en-US" smtClean="0"/>
               <a:pPr/>
-              <a:t>1/14/2013</a:t>
+              <a:t>13/01/2013</a:t>
             </a:fld>
             <a:endParaRPr lang="en-US"/>
           </a:p>
@@ -8762,7 +8762,7 @@
             <a:fld id="{802FED6A-284F-CB42-8CD3-82B13555AC7C}" type="slidenum">
               <a:rPr lang="en-US" smtClean="0"/>
               <a:pPr/>
-              <a:t>&lt;#&gt;</a:t>
+              <a:t>‹#›</a:t>
             </a:fld>
             <a:endParaRPr lang="en-US"/>
           </a:p>
@@ -10575,7 +10575,7 @@
           <a:blip r:embed="rId2">
             <a:extLst>
               <a:ext uri="{28A0092B-C50C-407E-A947-70E740481C1C}">
-                <a14:useLocalDpi xmlns:a14="http://schemas.microsoft.com/office/drawing/2010/main" xmlns="" val="0"/>
+                <a14:useLocalDpi xmlns:a14="http://schemas.microsoft.com/office/drawing/2010/main" val="0"/>
               </a:ext>
             </a:extLst>
           </a:blip>
@@ -10601,7 +10601,7 @@
   <p:timing>
     <p:tnLst>
       <p:par>
-        <p:cTn id="1" dur="indefinite" restart="never" nodeType="tmRoot"/>
+        <p:cTn xmlns:p14="http://schemas.microsoft.com/office/powerpoint/2010/main" id="1" dur="indefinite" restart="never" nodeType="tmRoot"/>
       </p:par>
     </p:tnLst>
   </p:timing>
@@ -12373,7 +12373,7 @@
             <a:fld id="{274B1840-CD30-A54D-9EA5-B4B5AA528BED}" type="datetimeFigureOut">
               <a:rPr lang="en-US" smtClean="0"/>
               <a:pPr/>
-              <a:t>1/14/2013</a:t>
+              <a:t>13/01/2013</a:t>
             </a:fld>
             <a:endParaRPr lang="en-US"/>
           </a:p>
@@ -12416,7 +12416,7 @@
             <a:fld id="{802FED6A-284F-CB42-8CD3-82B13555AC7C}" type="slidenum">
               <a:rPr lang="en-US" smtClean="0"/>
               <a:pPr/>
-              <a:t>&lt;#&gt;</a:t>
+              <a:t>‹#›</a:t>
             </a:fld>
             <a:endParaRPr lang="en-US"/>
           </a:p>
@@ -12528,7 +12528,7 @@
           <a:blip r:embed="rId2">
             <a:extLst>
               <a:ext uri="{28A0092B-C50C-407E-A947-70E740481C1C}">
-                <a14:useLocalDpi xmlns:a14="http://schemas.microsoft.com/office/drawing/2010/main" xmlns="" val="0"/>
+                <a14:useLocalDpi xmlns:a14="http://schemas.microsoft.com/office/drawing/2010/main" val="0"/>
               </a:ext>
             </a:extLst>
           </a:blip>
@@ -12554,7 +12554,7 @@
   <p:timing>
     <p:tnLst>
       <p:par>
-        <p:cTn id="1" dur="indefinite" restart="never" nodeType="tmRoot"/>
+        <p:cTn xmlns:p14="http://schemas.microsoft.com/office/powerpoint/2010/main" id="1" dur="indefinite" restart="never" nodeType="tmRoot"/>
       </p:par>
     </p:tnLst>
   </p:timing>
@@ -14271,7 +14271,7 @@
             <a:fld id="{274B1840-CD30-A54D-9EA5-B4B5AA528BED}" type="datetimeFigureOut">
               <a:rPr lang="en-US" smtClean="0"/>
               <a:pPr/>
-              <a:t>1/14/2013</a:t>
+              <a:t>13/01/2013</a:t>
             </a:fld>
             <a:endParaRPr lang="en-US"/>
           </a:p>
@@ -14346,7 +14346,7 @@
             <a:fld id="{802FED6A-284F-CB42-8CD3-82B13555AC7C}" type="slidenum">
               <a:rPr lang="en-US" smtClean="0"/>
               <a:pPr/>
-              <a:t>&lt;#&gt;</a:t>
+              <a:t>‹#›</a:t>
             </a:fld>
             <a:endParaRPr lang="en-US"/>
           </a:p>
@@ -14433,7 +14433,7 @@
   <p:timing>
     <p:tnLst>
       <p:par>
-        <p:cTn id="1" dur="indefinite" restart="never" nodeType="tmRoot"/>
+        <p:cTn xmlns:p14="http://schemas.microsoft.com/office/powerpoint/2010/main" id="1" dur="indefinite" restart="never" nodeType="tmRoot"/>
       </p:par>
     </p:tnLst>
   </p:timing>
@@ -14916,11 +14916,7 @@
             </a:r>
             <a:r>
               <a:rPr kumimoji="1" lang="en-US" altLang="ja-JP" dirty="0" smtClean="0"/>
-              <a:t>}.{</a:t>
-            </a:r>
-            <a:r>
-              <a:rPr kumimoji="1" lang="en-US" altLang="ja-JP" dirty="0" smtClean="0"/>
-              <a:t>1-5}</a:t>
+              <a:t>}.{1-5}</a:t>
             </a:r>
           </a:p>
           <a:p>
@@ -15304,7 +15300,7 @@
     </p:spTree>
     <p:extLst>
       <p:ext uri="{BB962C8B-B14F-4D97-AF65-F5344CB8AC3E}">
-        <p14:creationId xmlns:p14="http://schemas.microsoft.com/office/powerpoint/2010/main" xmlns="" val="1551102441"/>
+        <p14:creationId xmlns:p14="http://schemas.microsoft.com/office/powerpoint/2010/main" val="1551102441"/>
       </p:ext>
     </p:extLst>
   </p:cSld>
@@ -15314,7 +15310,7 @@
   <p:timing>
     <p:tnLst>
       <p:par>
-        <p:cTn id="1" dur="indefinite" restart="never" nodeType="tmRoot"/>
+        <p:cTn xmlns:p14="http://schemas.microsoft.com/office/powerpoint/2010/main" id="1" dur="indefinite" restart="never" nodeType="tmRoot"/>
       </p:par>
     </p:tnLst>
   </p:timing>
@@ -15837,7 +15833,7 @@
     </p:spTree>
     <p:extLst>
       <p:ext uri="{BB962C8B-B14F-4D97-AF65-F5344CB8AC3E}">
-        <p14:creationId xmlns:p14="http://schemas.microsoft.com/office/powerpoint/2010/main" xmlns="" val="2615424474"/>
+        <p14:creationId xmlns:p14="http://schemas.microsoft.com/office/powerpoint/2010/main" val="2615424474"/>
       </p:ext>
     </p:extLst>
   </p:cSld>
@@ -15847,7 +15843,7 @@
   <p:timing>
     <p:tnLst>
       <p:par>
-        <p:cTn id="1" dur="indefinite" restart="never" nodeType="tmRoot"/>
+        <p:cTn xmlns:p14="http://schemas.microsoft.com/office/powerpoint/2010/main" id="1" dur="indefinite" restart="never" nodeType="tmRoot"/>
       </p:par>
     </p:tnLst>
   </p:timing>
